--- a/chapters/background/figures/SGX_trust.pptx
+++ b/chapters/background/figures/SGX_trust.pptx
@@ -259,7 +259,7 @@
           <a:p>
             <a:fld id="{0431E909-55C7-4695-B0CB-EF1E2DC60699}" type="datetimeFigureOut">
               <a:rPr lang="en-US" smtClean="0"/>
-              <a:t>4/15/2021</a:t>
+              <a:t>5/2/2021</a:t>
             </a:fld>
             <a:endParaRPr lang="en-US"/>
           </a:p>
@@ -457,7 +457,7 @@
           <a:p>
             <a:fld id="{0431E909-55C7-4695-B0CB-EF1E2DC60699}" type="datetimeFigureOut">
               <a:rPr lang="en-US" smtClean="0"/>
-              <a:t>4/15/2021</a:t>
+              <a:t>5/2/2021</a:t>
             </a:fld>
             <a:endParaRPr lang="en-US"/>
           </a:p>
@@ -665,7 +665,7 @@
           <a:p>
             <a:fld id="{0431E909-55C7-4695-B0CB-EF1E2DC60699}" type="datetimeFigureOut">
               <a:rPr lang="en-US" smtClean="0"/>
-              <a:t>4/15/2021</a:t>
+              <a:t>5/2/2021</a:t>
             </a:fld>
             <a:endParaRPr lang="en-US"/>
           </a:p>
@@ -863,7 +863,7 @@
           <a:p>
             <a:fld id="{0431E909-55C7-4695-B0CB-EF1E2DC60699}" type="datetimeFigureOut">
               <a:rPr lang="en-US" smtClean="0"/>
-              <a:t>4/15/2021</a:t>
+              <a:t>5/2/2021</a:t>
             </a:fld>
             <a:endParaRPr lang="en-US"/>
           </a:p>
@@ -1138,7 +1138,7 @@
           <a:p>
             <a:fld id="{0431E909-55C7-4695-B0CB-EF1E2DC60699}" type="datetimeFigureOut">
               <a:rPr lang="en-US" smtClean="0"/>
-              <a:t>4/15/2021</a:t>
+              <a:t>5/2/2021</a:t>
             </a:fld>
             <a:endParaRPr lang="en-US"/>
           </a:p>
@@ -1403,7 +1403,7 @@
           <a:p>
             <a:fld id="{0431E909-55C7-4695-B0CB-EF1E2DC60699}" type="datetimeFigureOut">
               <a:rPr lang="en-US" smtClean="0"/>
-              <a:t>4/15/2021</a:t>
+              <a:t>5/2/2021</a:t>
             </a:fld>
             <a:endParaRPr lang="en-US"/>
           </a:p>
@@ -1815,7 +1815,7 @@
           <a:p>
             <a:fld id="{0431E909-55C7-4695-B0CB-EF1E2DC60699}" type="datetimeFigureOut">
               <a:rPr lang="en-US" smtClean="0"/>
-              <a:t>4/15/2021</a:t>
+              <a:t>5/2/2021</a:t>
             </a:fld>
             <a:endParaRPr lang="en-US"/>
           </a:p>
@@ -1956,7 +1956,7 @@
           <a:p>
             <a:fld id="{0431E909-55C7-4695-B0CB-EF1E2DC60699}" type="datetimeFigureOut">
               <a:rPr lang="en-US" smtClean="0"/>
-              <a:t>4/15/2021</a:t>
+              <a:t>5/2/2021</a:t>
             </a:fld>
             <a:endParaRPr lang="en-US"/>
           </a:p>
@@ -2069,7 +2069,7 @@
           <a:p>
             <a:fld id="{0431E909-55C7-4695-B0CB-EF1E2DC60699}" type="datetimeFigureOut">
               <a:rPr lang="en-US" smtClean="0"/>
-              <a:t>4/15/2021</a:t>
+              <a:t>5/2/2021</a:t>
             </a:fld>
             <a:endParaRPr lang="en-US"/>
           </a:p>
@@ -2380,7 +2380,7 @@
           <a:p>
             <a:fld id="{0431E909-55C7-4695-B0CB-EF1E2DC60699}" type="datetimeFigureOut">
               <a:rPr lang="en-US" smtClean="0"/>
-              <a:t>4/15/2021</a:t>
+              <a:t>5/2/2021</a:t>
             </a:fld>
             <a:endParaRPr lang="en-US"/>
           </a:p>
@@ -2668,7 +2668,7 @@
           <a:p>
             <a:fld id="{0431E909-55C7-4695-B0CB-EF1E2DC60699}" type="datetimeFigureOut">
               <a:rPr lang="en-US" smtClean="0"/>
-              <a:t>4/15/2021</a:t>
+              <a:t>5/2/2021</a:t>
             </a:fld>
             <a:endParaRPr lang="en-US"/>
           </a:p>
@@ -2909,7 +2909,7 @@
           <a:p>
             <a:fld id="{0431E909-55C7-4695-B0CB-EF1E2DC60699}" type="datetimeFigureOut">
               <a:rPr lang="en-US" smtClean="0"/>
-              <a:t>4/15/2021</a:t>
+              <a:t>5/2/2021</a:t>
             </a:fld>
             <a:endParaRPr lang="en-US"/>
           </a:p>
@@ -3907,7 +3907,7 @@
             <a:solidFill>
               <a:srgbClr val="FF0000"/>
             </a:solidFill>
-            <a:prstDash val="sysDot"/>
+            <a:prstDash val="solid"/>
           </a:ln>
         </p:spPr>
         <p:style>
@@ -3960,7 +3960,7 @@
             <a:solidFill>
               <a:srgbClr val="FF0000"/>
             </a:solidFill>
-            <a:prstDash val="sysDot"/>
+            <a:prstDash val="solid"/>
           </a:ln>
         </p:spPr>
         <p:style>
@@ -4032,7 +4032,7 @@
               <a:solidFill>
                 <a:srgbClr val="FF0000"/>
               </a:solidFill>
-              <a:prstDash val="sysDot"/>
+              <a:prstDash val="solid"/>
               <a:round/>
               <a:headEnd type="none" w="med" len="med"/>
               <a:tailEnd type="none" w="med" len="med"/>
@@ -4077,7 +4077,7 @@
               <a:solidFill>
                 <a:srgbClr val="FF0000"/>
               </a:solidFill>
-              <a:prstDash val="sysDot"/>
+              <a:prstDash val="solid"/>
               <a:round/>
               <a:headEnd type="none" w="med" len="med"/>
               <a:tailEnd type="none" w="med" len="med"/>
@@ -4122,7 +4122,7 @@
               <a:solidFill>
                 <a:srgbClr val="FF0000"/>
               </a:solidFill>
-              <a:prstDash val="sysDot"/>
+              <a:prstDash val="solid"/>
               <a:round/>
               <a:headEnd type="none" w="med" len="med"/>
               <a:tailEnd type="none" w="med" len="med"/>
@@ -4167,7 +4167,7 @@
               <a:solidFill>
                 <a:srgbClr val="FF0000"/>
               </a:solidFill>
-              <a:prstDash val="sysDot"/>
+              <a:prstDash val="solid"/>
               <a:round/>
               <a:headEnd type="none" w="med" len="med"/>
               <a:tailEnd type="none" w="med" len="med"/>
@@ -4212,7 +4212,7 @@
               <a:solidFill>
                 <a:srgbClr val="FF0000"/>
               </a:solidFill>
-              <a:prstDash val="sysDot"/>
+              <a:prstDash val="solid"/>
               <a:round/>
               <a:headEnd type="none" w="med" len="med"/>
               <a:tailEnd type="none" w="med" len="med"/>
@@ -4257,7 +4257,7 @@
               <a:solidFill>
                 <a:srgbClr val="FF0000"/>
               </a:solidFill>
-              <a:prstDash val="sysDot"/>
+              <a:prstDash val="solid"/>
               <a:round/>
               <a:headEnd type="none" w="med" len="med"/>
               <a:tailEnd type="none" w="med" len="med"/>
